--- a/GitHub Actions Workshop.pptx
+++ b/GitHub Actions Workshop.pptx
@@ -5,26 +5,27 @@
     <p:sldMasterId id="2147483713" r:id="rId1"/>
   </p:sldMasterIdLst>
   <p:notesMasterIdLst>
-    <p:notesMasterId r:id="rId19"/>
+    <p:notesMasterId r:id="rId20"/>
   </p:notesMasterIdLst>
   <p:sldIdLst>
     <p:sldId id="256" r:id="rId2"/>
-    <p:sldId id="262" r:id="rId3"/>
-    <p:sldId id="257" r:id="rId4"/>
-    <p:sldId id="271" r:id="rId5"/>
-    <p:sldId id="258" r:id="rId6"/>
-    <p:sldId id="275" r:id="rId7"/>
-    <p:sldId id="260" r:id="rId8"/>
-    <p:sldId id="261" r:id="rId9"/>
-    <p:sldId id="263" r:id="rId10"/>
-    <p:sldId id="264" r:id="rId11"/>
-    <p:sldId id="265" r:id="rId12"/>
-    <p:sldId id="266" r:id="rId13"/>
-    <p:sldId id="267" r:id="rId14"/>
-    <p:sldId id="268" r:id="rId15"/>
-    <p:sldId id="273" r:id="rId16"/>
-    <p:sldId id="274" r:id="rId17"/>
-    <p:sldId id="270" r:id="rId18"/>
+    <p:sldId id="276" r:id="rId3"/>
+    <p:sldId id="262" r:id="rId4"/>
+    <p:sldId id="257" r:id="rId5"/>
+    <p:sldId id="271" r:id="rId6"/>
+    <p:sldId id="258" r:id="rId7"/>
+    <p:sldId id="275" r:id="rId8"/>
+    <p:sldId id="260" r:id="rId9"/>
+    <p:sldId id="261" r:id="rId10"/>
+    <p:sldId id="263" r:id="rId11"/>
+    <p:sldId id="264" r:id="rId12"/>
+    <p:sldId id="265" r:id="rId13"/>
+    <p:sldId id="266" r:id="rId14"/>
+    <p:sldId id="267" r:id="rId15"/>
+    <p:sldId id="268" r:id="rId16"/>
+    <p:sldId id="273" r:id="rId17"/>
+    <p:sldId id="274" r:id="rId18"/>
+    <p:sldId id="270" r:id="rId19"/>
   </p:sldIdLst>
   <p:sldSz cx="12192000" cy="6858000"/>
   <p:notesSz cx="6858000" cy="9144000"/>
@@ -123,6 +124,11 @@
       </a:defRPr>
     </a:lvl9pPr>
   </p:defaultTextStyle>
+  <p:extLst>
+    <p:ext uri="{EFAFB233-063F-42B5-8137-9DF3F51BA10A}">
+      <p15:sldGuideLst xmlns:p15="http://schemas.microsoft.com/office/powerpoint/2012/main"/>
+    </p:ext>
+  </p:extLst>
 </p:presentation>
 </file>
 
@@ -540,7 +546,7 @@
           <a:p>
             <a:fld id="{74863F9A-0FA0-4561-9A27-AE9504DE1698}" type="slidenum">
               <a:rPr lang="en-US" smtClean="0"/>
-              <a:t>5</a:t>
+              <a:t>6</a:t>
             </a:fld>
             <a:endParaRPr lang="en-US"/>
           </a:p>
@@ -624,7 +630,7 @@
           <a:p>
             <a:fld id="{74863F9A-0FA0-4561-9A27-AE9504DE1698}" type="slidenum">
               <a:rPr lang="en-US" smtClean="0"/>
-              <a:t>10</a:t>
+              <a:t>11</a:t>
             </a:fld>
             <a:endParaRPr lang="en-US"/>
           </a:p>
@@ -4017,6 +4023,251 @@
           <p:cNvPr id="2" name="Title 1">
             <a:extLst>
               <a:ext uri="{FF2B5EF4-FFF2-40B4-BE49-F238E27FC236}">
+                <a16:creationId xmlns:a16="http://schemas.microsoft.com/office/drawing/2014/main" id="{88AFE86A-C53B-4FF0-C888-CD72EA72F2DD}"/>
+              </a:ext>
+            </a:extLst>
+          </p:cNvPr>
+          <p:cNvSpPr>
+            <a:spLocks noGrp="1"/>
+          </p:cNvSpPr>
+          <p:nvPr>
+            <p:ph type="title"/>
+          </p:nvPr>
+        </p:nvSpPr>
+        <p:spPr>
+          <a:xfrm>
+            <a:off x="838200" y="365126"/>
+            <a:ext cx="5257800" cy="878048"/>
+          </a:xfrm>
+        </p:spPr>
+        <p:txBody>
+          <a:bodyPr>
+            <a:normAutofit fontScale="90000"/>
+          </a:bodyPr>
+          <a:lstStyle/>
+          <a:p>
+            <a:r>
+              <a:rPr lang="en-US" sz="3100" b="1" i="0" dirty="0">
+                <a:solidFill>
+                  <a:srgbClr val="2C2C36"/>
+                </a:solidFill>
+                <a:effectLst/>
+                <a:latin typeface="system-ui"/>
+              </a:rPr>
+              <a:t>Creating a Workflow File (Demo)</a:t>
+            </a:r>
+            <a:br>
+              <a:rPr lang="en-US" sz="3600" b="1" i="0" dirty="0">
+                <a:solidFill>
+                  <a:srgbClr val="2C2C36"/>
+                </a:solidFill>
+                <a:effectLst/>
+                <a:latin typeface="system-ui"/>
+              </a:rPr>
+            </a:br>
+            <a:endParaRPr lang="en-US" sz="3600" dirty="0"/>
+          </a:p>
+        </p:txBody>
+      </p:sp>
+      <p:sp>
+        <p:nvSpPr>
+          <p:cNvPr id="3" name="Content Placeholder 2">
+            <a:extLst>
+              <a:ext uri="{FF2B5EF4-FFF2-40B4-BE49-F238E27FC236}">
+                <a16:creationId xmlns:a16="http://schemas.microsoft.com/office/drawing/2014/main" id="{6032999E-7E7F-9F63-0B22-AF72579A47A7}"/>
+              </a:ext>
+            </a:extLst>
+          </p:cNvPr>
+          <p:cNvSpPr>
+            <a:spLocks noGrp="1"/>
+          </p:cNvSpPr>
+          <p:nvPr>
+            <p:ph idx="1"/>
+          </p:nvPr>
+        </p:nvSpPr>
+        <p:spPr>
+          <a:xfrm>
+            <a:off x="838200" y="1034515"/>
+            <a:ext cx="5257800" cy="2284038"/>
+          </a:xfrm>
+        </p:spPr>
+        <p:txBody>
+          <a:bodyPr>
+            <a:normAutofit/>
+          </a:bodyPr>
+          <a:lstStyle/>
+          <a:p>
+            <a:r>
+              <a:rPr lang="en-US" sz="2000" b="0" i="0" dirty="0">
+                <a:solidFill>
+                  <a:srgbClr val="2C2C36"/>
+                </a:solidFill>
+                <a:effectLst/>
+                <a:latin typeface="system-ui"/>
+              </a:rPr>
+              <a:t>Workflow files are stored in </a:t>
+            </a:r>
+            <a:r>
+              <a:rPr lang="en-US" sz="2000" b="1" i="0" dirty="0">
+                <a:solidFill>
+                  <a:srgbClr val="EB5757"/>
+                </a:solidFill>
+                <a:effectLst/>
+                <a:latin typeface="ui-monospace"/>
+              </a:rPr>
+              <a:t>.</a:t>
+            </a:r>
+            <a:r>
+              <a:rPr lang="en-US" sz="2000" b="1" i="0" dirty="0" err="1">
+                <a:solidFill>
+                  <a:srgbClr val="EB5757"/>
+                </a:solidFill>
+                <a:effectLst/>
+                <a:latin typeface="ui-monospace"/>
+              </a:rPr>
+              <a:t>github</a:t>
+            </a:r>
+            <a:r>
+              <a:rPr lang="en-US" sz="2000" b="1" i="0" dirty="0">
+                <a:solidFill>
+                  <a:srgbClr val="EB5757"/>
+                </a:solidFill>
+                <a:effectLst/>
+                <a:latin typeface="ui-monospace"/>
+              </a:rPr>
+              <a:t>/workflows/</a:t>
+            </a:r>
+          </a:p>
+          <a:p>
+            <a:r>
+              <a:rPr lang="en-US" sz="2000" b="0" i="0" dirty="0">
+                <a:solidFill>
+                  <a:srgbClr val="2C2C36"/>
+                </a:solidFill>
+                <a:effectLst/>
+                <a:latin typeface="system-ui"/>
+              </a:rPr>
+              <a:t>Written in YAML format</a:t>
+            </a:r>
+            <a:endParaRPr lang="en-US" sz="2000" b="1" dirty="0">
+              <a:solidFill>
+                <a:srgbClr val="EB5757"/>
+              </a:solidFill>
+              <a:latin typeface="ui-monospace"/>
+            </a:endParaRPr>
+          </a:p>
+          <a:p>
+            <a:r>
+              <a:rPr lang="en-US" sz="2000" b="0" i="0" dirty="0">
+                <a:solidFill>
+                  <a:srgbClr val="2C2C36"/>
+                </a:solidFill>
+                <a:effectLst/>
+                <a:latin typeface="system-ui"/>
+              </a:rPr>
+              <a:t>Define triggers, jobs, and steps.</a:t>
+            </a:r>
+          </a:p>
+          <a:p>
+            <a:endParaRPr lang="en-US" sz="2000" dirty="0"/>
+          </a:p>
+        </p:txBody>
+      </p:sp>
+      <p:pic>
+        <p:nvPicPr>
+          <p:cNvPr id="8" name="Picture 7">
+            <a:extLst>
+              <a:ext uri="{FF2B5EF4-FFF2-40B4-BE49-F238E27FC236}">
+                <a16:creationId xmlns:a16="http://schemas.microsoft.com/office/drawing/2014/main" id="{BC3019E1-252D-CDF4-D766-19217408C458}"/>
+              </a:ext>
+            </a:extLst>
+          </p:cNvPr>
+          <p:cNvPicPr>
+            <a:picLocks noChangeAspect="1"/>
+          </p:cNvPicPr>
+          <p:nvPr/>
+        </p:nvPicPr>
+        <p:blipFill>
+          <a:blip r:embed="rId2"/>
+          <a:stretch>
+            <a:fillRect/>
+          </a:stretch>
+        </p:blipFill>
+        <p:spPr>
+          <a:xfrm>
+            <a:off x="6380251" y="244011"/>
+            <a:ext cx="5419011" cy="6369978"/>
+          </a:xfrm>
+          <a:prstGeom prst="rect">
+            <a:avLst/>
+          </a:prstGeom>
+        </p:spPr>
+      </p:pic>
+      <p:pic>
+        <p:nvPicPr>
+          <p:cNvPr id="10" name="Picture 9">
+            <a:extLst>
+              <a:ext uri="{FF2B5EF4-FFF2-40B4-BE49-F238E27FC236}">
+                <a16:creationId xmlns:a16="http://schemas.microsoft.com/office/drawing/2014/main" id="{4FA19940-EF4A-0D67-1B6E-AF0AEC583CC9}"/>
+              </a:ext>
+            </a:extLst>
+          </p:cNvPr>
+          <p:cNvPicPr>
+            <a:picLocks noChangeAspect="1"/>
+          </p:cNvPicPr>
+          <p:nvPr/>
+        </p:nvPicPr>
+        <p:blipFill>
+          <a:blip r:embed="rId3"/>
+          <a:stretch>
+            <a:fillRect/>
+          </a:stretch>
+        </p:blipFill>
+        <p:spPr>
+          <a:xfrm>
+            <a:off x="626723" y="3683286"/>
+            <a:ext cx="5455867" cy="1905856"/>
+          </a:xfrm>
+          <a:prstGeom prst="rect">
+            <a:avLst/>
+          </a:prstGeom>
+        </p:spPr>
+      </p:pic>
+    </p:spTree>
+    <p:extLst>
+      <p:ext uri="{BB962C8B-B14F-4D97-AF65-F5344CB8AC3E}">
+        <p14:creationId xmlns:p14="http://schemas.microsoft.com/office/powerpoint/2010/main" val="3360006066"/>
+      </p:ext>
+    </p:extLst>
+  </p:cSld>
+  <p:clrMapOvr>
+    <a:masterClrMapping/>
+  </p:clrMapOvr>
+</p:sld>
+</file>
+
+<file path=ppt/slides/slide11.xml><?xml version="1.0" encoding="utf-8"?>
+<p:sld xmlns:a="http://schemas.openxmlformats.org/drawingml/2006/main" xmlns:r="http://schemas.openxmlformats.org/officeDocument/2006/relationships" xmlns:p="http://schemas.openxmlformats.org/presentationml/2006/main">
+  <p:cSld>
+    <p:spTree>
+      <p:nvGrpSpPr>
+        <p:cNvPr id="1" name=""/>
+        <p:cNvGrpSpPr/>
+        <p:nvPr/>
+      </p:nvGrpSpPr>
+      <p:grpSpPr>
+        <a:xfrm>
+          <a:off x="0" y="0"/>
+          <a:ext cx="0" cy="0"/>
+          <a:chOff x="0" y="0"/>
+          <a:chExt cx="0" cy="0"/>
+        </a:xfrm>
+      </p:grpSpPr>
+      <p:sp>
+        <p:nvSpPr>
+          <p:cNvPr id="2" name="Title 1">
+            <a:extLst>
+              <a:ext uri="{FF2B5EF4-FFF2-40B4-BE49-F238E27FC236}">
                 <a16:creationId xmlns:a16="http://schemas.microsoft.com/office/drawing/2014/main" id="{AF568F70-989F-7E63-2A72-6FEC18B3C19D}"/>
               </a:ext>
             </a:extLst>
@@ -4153,7 +4404,7 @@
 </p:sld>
 </file>
 
-<file path=ppt/slides/slide11.xml><?xml version="1.0" encoding="utf-8"?>
+<file path=ppt/slides/slide12.xml><?xml version="1.0" encoding="utf-8"?>
 <p:sld xmlns:a="http://schemas.openxmlformats.org/drawingml/2006/main" xmlns:r="http://schemas.openxmlformats.org/officeDocument/2006/relationships" xmlns:p="http://schemas.openxmlformats.org/presentationml/2006/main">
   <p:cSld>
     <p:spTree>
@@ -4355,7 +4606,7 @@
 </p:sld>
 </file>
 
-<file path=ppt/slides/slide12.xml><?xml version="1.0" encoding="utf-8"?>
+<file path=ppt/slides/slide13.xml><?xml version="1.0" encoding="utf-8"?>
 <p:sld xmlns:a="http://schemas.openxmlformats.org/drawingml/2006/main" xmlns:r="http://schemas.openxmlformats.org/officeDocument/2006/relationships" xmlns:p="http://schemas.openxmlformats.org/presentationml/2006/main">
   <p:cSld>
     <p:spTree>
@@ -4594,7 +4845,7 @@
 </p:sld>
 </file>
 
-<file path=ppt/slides/slide13.xml><?xml version="1.0" encoding="utf-8"?>
+<file path=ppt/slides/slide14.xml><?xml version="1.0" encoding="utf-8"?>
 <p:sld xmlns:a="http://schemas.openxmlformats.org/drawingml/2006/main" xmlns:r="http://schemas.openxmlformats.org/officeDocument/2006/relationships" xmlns:p="http://schemas.openxmlformats.org/presentationml/2006/main">
   <p:cSld>
     <p:spTree>
@@ -4940,7 +5191,7 @@
 </p:sld>
 </file>
 
-<file path=ppt/slides/slide14.xml><?xml version="1.0" encoding="utf-8"?>
+<file path=ppt/slides/slide15.xml><?xml version="1.0" encoding="utf-8"?>
 <p:sld xmlns:a="http://schemas.openxmlformats.org/drawingml/2006/main" xmlns:r="http://schemas.openxmlformats.org/officeDocument/2006/relationships" xmlns:p="http://schemas.openxmlformats.org/presentationml/2006/main">
   <p:cSld>
     <p:spTree>
@@ -5120,7 +5371,7 @@
 </p:sld>
 </file>
 
-<file path=ppt/slides/slide15.xml><?xml version="1.0" encoding="utf-8"?>
+<file path=ppt/slides/slide16.xml><?xml version="1.0" encoding="utf-8"?>
 <p:sld xmlns:a="http://schemas.openxmlformats.org/drawingml/2006/main" xmlns:r="http://schemas.openxmlformats.org/officeDocument/2006/relationships" xmlns:p="http://schemas.openxmlformats.org/presentationml/2006/main">
   <p:cSld>
     <p:spTree>
@@ -5271,7 +5522,7 @@
 </p:sld>
 </file>
 
-<file path=ppt/slides/slide16.xml><?xml version="1.0" encoding="utf-8"?>
+<file path=ppt/slides/slide17.xml><?xml version="1.0" encoding="utf-8"?>
 <p:sld xmlns:a="http://schemas.openxmlformats.org/drawingml/2006/main" xmlns:r="http://schemas.openxmlformats.org/officeDocument/2006/relationships" xmlns:p="http://schemas.openxmlformats.org/presentationml/2006/main">
   <p:cSld>
     <p:spTree>
@@ -5462,7 +5713,7 @@
 </p:sld>
 </file>
 
-<file path=ppt/slides/slide17.xml><?xml version="1.0" encoding="utf-8"?>
+<file path=ppt/slides/slide18.xml><?xml version="1.0" encoding="utf-8"?>
 <p:sld xmlns:a="http://schemas.openxmlformats.org/drawingml/2006/main" xmlns:r="http://schemas.openxmlformats.org/officeDocument/2006/relationships" xmlns:p="http://schemas.openxmlformats.org/presentationml/2006/main">
   <p:cSld>
     <p:spTree>
@@ -5562,202 +5813,70 @@
       </p:grpSpPr>
       <p:sp>
         <p:nvSpPr>
-          <p:cNvPr id="2" name="Title 1">
-            <a:extLst>
-              <a:ext uri="{FF2B5EF4-FFF2-40B4-BE49-F238E27FC236}">
-                <a16:creationId xmlns:a16="http://schemas.microsoft.com/office/drawing/2014/main" id="{1D8A17E8-35F4-7393-36A4-5FE6816F46E5}"/>
-              </a:ext>
-            </a:extLst>
-          </p:cNvPr>
-          <p:cNvSpPr>
-            <a:spLocks noGrp="1"/>
-          </p:cNvSpPr>
-          <p:nvPr>
-            <p:ph type="title"/>
-          </p:nvPr>
-        </p:nvSpPr>
-        <p:spPr/>
-        <p:txBody>
-          <a:bodyPr/>
-          <a:lstStyle/>
-          <a:p>
-            <a:r>
-              <a:rPr lang="en-US" b="1" dirty="0">
-                <a:solidFill>
-                  <a:srgbClr val="2C2C36"/>
-                </a:solidFill>
-                <a:latin typeface="system-ui"/>
-              </a:rPr>
-              <a:t>Workshop</a:t>
-            </a:r>
-            <a:r>
-              <a:rPr lang="en-US" dirty="0"/>
-              <a:t> </a:t>
-            </a:r>
-            <a:r>
-              <a:rPr lang="en-US" b="1" i="0" dirty="0">
-                <a:solidFill>
-                  <a:srgbClr val="2C2C36"/>
-                </a:solidFill>
-                <a:effectLst/>
-                <a:latin typeface="system-ui"/>
-              </a:rPr>
-              <a:t>Prerequisites</a:t>
-            </a:r>
-            <a:endParaRPr lang="en-US" dirty="0"/>
-          </a:p>
-        </p:txBody>
-      </p:sp>
-      <p:pic>
-        <p:nvPicPr>
-          <p:cNvPr id="5" name="Graphic 4">
-            <a:extLst>
-              <a:ext uri="{FF2B5EF4-FFF2-40B4-BE49-F238E27FC236}">
-                <a16:creationId xmlns:a16="http://schemas.microsoft.com/office/drawing/2014/main" id="{7E699594-AE85-DB31-8397-FE029638662C}"/>
-              </a:ext>
-            </a:extLst>
-          </p:cNvPr>
-          <p:cNvPicPr>
-            <a:picLocks noChangeAspect="1"/>
-          </p:cNvPicPr>
+          <p:cNvPr id="4" name="Title 1">
+            <a:extLst>
+              <a:ext uri="{FF2B5EF4-FFF2-40B4-BE49-F238E27FC236}">
+                <a16:creationId xmlns:a16="http://schemas.microsoft.com/office/drawing/2014/main" id="{CF0B974F-B766-0CD1-B2F4-D3C85CA0ACAE}"/>
+              </a:ext>
+            </a:extLst>
+          </p:cNvPr>
+          <p:cNvSpPr txBox="1">
+            <a:spLocks/>
+          </p:cNvSpPr>
           <p:nvPr/>
-        </p:nvPicPr>
-        <p:blipFill>
-          <a:blip r:embed="rId2">
-            <a:extLst>
-              <a:ext uri="{96DAC541-7B7A-43D3-8B79-37D633B846F1}">
-                <asvg:svgBlip xmlns:asvg="http://schemas.microsoft.com/office/drawing/2016/SVG/main" r:embed="rId3"/>
-              </a:ext>
-            </a:extLst>
-          </a:blip>
-          <a:stretch>
-            <a:fillRect/>
-          </a:stretch>
-        </p:blipFill>
+        </p:nvSpPr>
         <p:spPr>
           <a:xfrm>
-            <a:off x="9727915" y="386530"/>
-            <a:ext cx="1134045" cy="1134045"/>
+            <a:off x="733746" y="500062"/>
+            <a:ext cx="10515600" cy="1325563"/>
           </a:xfrm>
           <a:prstGeom prst="rect">
             <a:avLst/>
           </a:prstGeom>
         </p:spPr>
-      </p:pic>
+        <p:txBody>
+          <a:bodyPr vert="horz" lIns="91440" tIns="45720" rIns="91440" bIns="45720" rtlCol="0" anchor="ctr">
+            <a:normAutofit/>
+          </a:bodyPr>
+          <a:lstStyle>
+            <a:lvl1pPr algn="l" defTabSz="914400" rtl="0" eaLnBrk="1" latinLnBrk="0" hangingPunct="1">
+              <a:lnSpc>
+                <a:spcPct val="90000"/>
+              </a:lnSpc>
+              <a:spcBef>
+                <a:spcPct val="0"/>
+              </a:spcBef>
+              <a:buNone/>
+              <a:defRPr sz="4400" kern="1200">
+                <a:solidFill>
+                  <a:schemeClr val="tx1"/>
+                </a:solidFill>
+                <a:latin typeface="+mj-lt"/>
+                <a:ea typeface="+mj-ea"/>
+                <a:cs typeface="+mj-cs"/>
+              </a:defRPr>
+            </a:lvl1pPr>
+          </a:lstStyle>
+          <a:p>
+            <a:r>
+              <a:rPr lang="en-US" b="1" dirty="0">
+                <a:solidFill>
+                  <a:srgbClr val="2C2C36"/>
+                </a:solidFill>
+                <a:latin typeface="system-ui"/>
+              </a:rPr>
+              <a:t>Agneda</a:t>
+            </a:r>
+            <a:endParaRPr lang="en-US" dirty="0"/>
+          </a:p>
+        </p:txBody>
+      </p:sp>
       <p:pic>
         <p:nvPicPr>
-          <p:cNvPr id="7" name="Graphic 6">
-            <a:extLst>
-              <a:ext uri="{FF2B5EF4-FFF2-40B4-BE49-F238E27FC236}">
-                <a16:creationId xmlns:a16="http://schemas.microsoft.com/office/drawing/2014/main" id="{360CA007-8A3B-649E-D9EA-DF76046C22F2}"/>
-              </a:ext>
-            </a:extLst>
-          </p:cNvPr>
-          <p:cNvPicPr>
-            <a:picLocks noChangeAspect="1"/>
-          </p:cNvPicPr>
-          <p:nvPr/>
-        </p:nvPicPr>
-        <p:blipFill>
-          <a:blip r:embed="rId4">
-            <a:extLst>
-              <a:ext uri="{96DAC541-7B7A-43D3-8B79-37D633B846F1}">
-                <asvg:svgBlip xmlns:asvg="http://schemas.microsoft.com/office/drawing/2016/SVG/main" r:embed="rId5"/>
-              </a:ext>
-            </a:extLst>
-          </a:blip>
-          <a:stretch>
-            <a:fillRect/>
-          </a:stretch>
-        </p:blipFill>
-        <p:spPr>
-          <a:xfrm>
-            <a:off x="9655197" y="1803115"/>
-            <a:ext cx="1338151" cy="1338151"/>
-          </a:xfrm>
-          <a:prstGeom prst="rect">
-            <a:avLst/>
-          </a:prstGeom>
-        </p:spPr>
-      </p:pic>
-      <p:pic>
-        <p:nvPicPr>
-          <p:cNvPr id="9" name="Graphic 8">
-            <a:extLst>
-              <a:ext uri="{FF2B5EF4-FFF2-40B4-BE49-F238E27FC236}">
-                <a16:creationId xmlns:a16="http://schemas.microsoft.com/office/drawing/2014/main" id="{97549EA4-36B4-7A07-FB52-352D76EBA0DB}"/>
-              </a:ext>
-            </a:extLst>
-          </p:cNvPr>
-          <p:cNvPicPr>
-            <a:picLocks noChangeAspect="1"/>
-          </p:cNvPicPr>
-          <p:nvPr/>
-        </p:nvPicPr>
-        <p:blipFill>
-          <a:blip r:embed="rId6">
-            <a:extLst>
-              <a:ext uri="{96DAC541-7B7A-43D3-8B79-37D633B846F1}">
-                <asvg:svgBlip xmlns:asvg="http://schemas.microsoft.com/office/drawing/2016/SVG/main" r:embed="rId7"/>
-              </a:ext>
-            </a:extLst>
-          </a:blip>
-          <a:stretch>
-            <a:fillRect/>
-          </a:stretch>
-        </p:blipFill>
-        <p:spPr>
-          <a:xfrm>
-            <a:off x="9655197" y="3429000"/>
-            <a:ext cx="1219200" cy="1219200"/>
-          </a:xfrm>
-          <a:prstGeom prst="rect">
-            <a:avLst/>
-          </a:prstGeom>
-        </p:spPr>
-      </p:pic>
-      <p:pic>
-        <p:nvPicPr>
-          <p:cNvPr id="11" name="Graphic 10">
-            <a:extLst>
-              <a:ext uri="{FF2B5EF4-FFF2-40B4-BE49-F238E27FC236}">
-                <a16:creationId xmlns:a16="http://schemas.microsoft.com/office/drawing/2014/main" id="{F4992FA6-3FE1-EC7D-3EE8-B372099B6913}"/>
-              </a:ext>
-            </a:extLst>
-          </p:cNvPr>
-          <p:cNvPicPr>
-            <a:picLocks noChangeAspect="1"/>
-          </p:cNvPicPr>
-          <p:nvPr/>
-        </p:nvPicPr>
-        <p:blipFill>
-          <a:blip r:embed="rId8">
-            <a:extLst>
-              <a:ext uri="{96DAC541-7B7A-43D3-8B79-37D633B846F1}">
-                <asvg:svgBlip xmlns:asvg="http://schemas.microsoft.com/office/drawing/2016/SVG/main" r:embed="rId9"/>
-              </a:ext>
-            </a:extLst>
-          </a:blip>
-          <a:stretch>
-            <a:fillRect/>
-          </a:stretch>
-        </p:blipFill>
-        <p:spPr>
-          <a:xfrm>
-            <a:off x="9774148" y="5252270"/>
-            <a:ext cx="1219200" cy="1219200"/>
-          </a:xfrm>
-          <a:prstGeom prst="rect">
-            <a:avLst/>
-          </a:prstGeom>
-        </p:spPr>
-      </p:pic>
-      <p:pic>
-        <p:nvPicPr>
-          <p:cNvPr id="13314" name="Picture 2">
-            <a:extLst>
-              <a:ext uri="{FF2B5EF4-FFF2-40B4-BE49-F238E27FC236}">
-                <a16:creationId xmlns:a16="http://schemas.microsoft.com/office/drawing/2014/main" id="{33CC3C2C-2790-42C9-D071-CC51EF7A71F5}"/>
+          <p:cNvPr id="1026" name="Picture 2">
+            <a:extLst>
+              <a:ext uri="{FF2B5EF4-FFF2-40B4-BE49-F238E27FC236}">
+                <a16:creationId xmlns:a16="http://schemas.microsoft.com/office/drawing/2014/main" id="{8CC9161F-E290-9622-51CA-2CF472F791C5}"/>
               </a:ext>
             </a:extLst>
           </p:cNvPr>
@@ -5767,7 +5886,7 @@
           <p:nvPr/>
         </p:nvPicPr>
         <p:blipFill>
-          <a:blip r:embed="rId10">
+          <a:blip r:embed="rId2">
             <a:extLst>
               <a:ext uri="{28A0092B-C50C-407E-A947-70E740481C1C}">
                 <a14:useLocalDpi xmlns:a14="http://schemas.microsoft.com/office/drawing/2010/main" val="0"/>
@@ -5781,8 +5900,8 @@
         </p:blipFill>
         <p:spPr bwMode="auto">
           <a:xfrm>
-            <a:off x="0" y="1027906"/>
-            <a:ext cx="8353425" cy="5715000"/>
+            <a:off x="323206" y="760287"/>
+            <a:ext cx="11135047" cy="6281309"/>
           </a:xfrm>
           <a:prstGeom prst="rect">
             <a:avLst/>
@@ -5802,7 +5921,7 @@
     </p:spTree>
     <p:extLst>
       <p:ext uri="{BB962C8B-B14F-4D97-AF65-F5344CB8AC3E}">
-        <p14:creationId xmlns:p14="http://schemas.microsoft.com/office/powerpoint/2010/main" val="1112053669"/>
+        <p14:creationId xmlns:p14="http://schemas.microsoft.com/office/powerpoint/2010/main" val="1557418662"/>
       </p:ext>
     </p:extLst>
   </p:cSld>
@@ -5834,7 +5953,7 @@
           <p:cNvPr id="2" name="Title 1">
             <a:extLst>
               <a:ext uri="{FF2B5EF4-FFF2-40B4-BE49-F238E27FC236}">
-                <a16:creationId xmlns:a16="http://schemas.microsoft.com/office/drawing/2014/main" id="{95C2E171-D308-0885-C928-29AEDF3E7A3E}"/>
+                <a16:creationId xmlns:a16="http://schemas.microsoft.com/office/drawing/2014/main" id="{1D8A17E8-35F4-7393-36A4-5FE6816F46E5}"/>
               </a:ext>
             </a:extLst>
           </p:cNvPr>
@@ -5845,18 +5964,24 @@
             <p:ph type="title"/>
           </p:nvPr>
         </p:nvSpPr>
-        <p:spPr>
-          <a:xfrm>
-            <a:off x="838200" y="681037"/>
-            <a:ext cx="10515600" cy="1009651"/>
-          </a:xfrm>
-        </p:spPr>
-        <p:txBody>
-          <a:bodyPr>
-            <a:normAutofit fontScale="90000"/>
-          </a:bodyPr>
+        <p:spPr/>
+        <p:txBody>
+          <a:bodyPr/>
           <a:lstStyle/>
           <a:p>
+            <a:r>
+              <a:rPr lang="en-US" b="1" dirty="0">
+                <a:solidFill>
+                  <a:srgbClr val="2C2C36"/>
+                </a:solidFill>
+                <a:latin typeface="system-ui"/>
+              </a:rPr>
+              <a:t>Workshop</a:t>
+            </a:r>
+            <a:r>
+              <a:rPr lang="en-US" dirty="0"/>
+              <a:t> </a:t>
+            </a:r>
             <a:r>
               <a:rPr lang="en-US" b="1" i="0" dirty="0">
                 <a:solidFill>
@@ -5865,123 +5990,162 @@
                 <a:effectLst/>
                 <a:latin typeface="system-ui"/>
               </a:rPr>
-              <a:t>What is GitHub Actions?</a:t>
-            </a:r>
-            <a:br>
-              <a:rPr lang="en-US" b="1" i="0" dirty="0">
-                <a:solidFill>
-                  <a:srgbClr val="2C2C36"/>
-                </a:solidFill>
-                <a:effectLst/>
-                <a:latin typeface="system-ui"/>
-              </a:rPr>
-            </a:br>
+              <a:t>Prerequisites</a:t>
+            </a:r>
             <a:endParaRPr lang="en-US" dirty="0"/>
           </a:p>
         </p:txBody>
       </p:sp>
-      <p:sp>
-        <p:nvSpPr>
-          <p:cNvPr id="3" name="Content Placeholder 2">
-            <a:extLst>
-              <a:ext uri="{FF2B5EF4-FFF2-40B4-BE49-F238E27FC236}">
-                <a16:creationId xmlns:a16="http://schemas.microsoft.com/office/drawing/2014/main" id="{690DD695-E414-6F92-E9FC-1270C73EC1D8}"/>
-              </a:ext>
-            </a:extLst>
-          </p:cNvPr>
-          <p:cNvSpPr>
-            <a:spLocks noGrp="1"/>
-          </p:cNvSpPr>
-          <p:nvPr>
-            <p:ph idx="1"/>
-          </p:nvPr>
-        </p:nvSpPr>
+      <p:pic>
+        <p:nvPicPr>
+          <p:cNvPr id="5" name="Graphic 4">
+            <a:extLst>
+              <a:ext uri="{FF2B5EF4-FFF2-40B4-BE49-F238E27FC236}">
+                <a16:creationId xmlns:a16="http://schemas.microsoft.com/office/drawing/2014/main" id="{7E699594-AE85-DB31-8397-FE029638662C}"/>
+              </a:ext>
+            </a:extLst>
+          </p:cNvPr>
+          <p:cNvPicPr>
+            <a:picLocks noChangeAspect="1"/>
+          </p:cNvPicPr>
+          <p:nvPr/>
+        </p:nvPicPr>
+        <p:blipFill>
+          <a:blip r:embed="rId2">
+            <a:extLst>
+              <a:ext uri="{96DAC541-7B7A-43D3-8B79-37D633B846F1}">
+                <asvg:svgBlip xmlns:asvg="http://schemas.microsoft.com/office/drawing/2016/SVG/main" r:embed="rId3"/>
+              </a:ext>
+            </a:extLst>
+          </a:blip>
+          <a:stretch>
+            <a:fillRect/>
+          </a:stretch>
+        </p:blipFill>
         <p:spPr>
           <a:xfrm>
-            <a:off x="838200" y="1571947"/>
-            <a:ext cx="10227067" cy="2198670"/>
+            <a:off x="9727915" y="386530"/>
+            <a:ext cx="1134045" cy="1134045"/>
           </a:xfrm>
+          <a:prstGeom prst="rect">
+            <a:avLst/>
+          </a:prstGeom>
         </p:spPr>
-        <p:txBody>
-          <a:bodyPr/>
-          <a:lstStyle/>
-          <a:p>
-            <a:pPr algn="l">
-              <a:spcBef>
-                <a:spcPts val="900"/>
-              </a:spcBef>
-              <a:spcAft>
-                <a:spcPts val="900"/>
-              </a:spcAft>
-              <a:buFont typeface="Arial" panose="020B0604020202020204" pitchFamily="34" charset="0"/>
-              <a:buChar char="•"/>
-            </a:pPr>
-            <a:r>
-              <a:rPr lang="en-US" b="0" i="0" dirty="0">
-                <a:solidFill>
-                  <a:srgbClr val="2C2C36"/>
-                </a:solidFill>
-                <a:effectLst/>
-                <a:latin typeface="system-ui"/>
-              </a:rPr>
-              <a:t>GitHub Actions is a CI/CD tool integrated into GitHub.</a:t>
-            </a:r>
-          </a:p>
-          <a:p>
-            <a:pPr algn="l">
-              <a:spcBef>
-                <a:spcPts val="900"/>
-              </a:spcBef>
-              <a:spcAft>
-                <a:spcPts val="900"/>
-              </a:spcAft>
-              <a:buFont typeface="Arial" panose="020B0604020202020204" pitchFamily="34" charset="0"/>
-              <a:buChar char="•"/>
-            </a:pPr>
-            <a:r>
-              <a:rPr lang="en-US" b="0" i="0" dirty="0">
-                <a:solidFill>
-                  <a:srgbClr val="2C2C36"/>
-                </a:solidFill>
-                <a:effectLst/>
-                <a:latin typeface="system-ui"/>
-              </a:rPr>
-              <a:t>Automates tasks like testing, building, and deploying code.</a:t>
-            </a:r>
-          </a:p>
-          <a:p>
-            <a:pPr algn="l">
-              <a:spcBef>
-                <a:spcPts val="900"/>
-              </a:spcBef>
-              <a:spcAft>
-                <a:spcPts val="900"/>
-              </a:spcAft>
-              <a:buFont typeface="Arial" panose="020B0604020202020204" pitchFamily="34" charset="0"/>
-              <a:buChar char="•"/>
-            </a:pPr>
-            <a:r>
-              <a:rPr lang="en-US" b="0" i="0" dirty="0">
-                <a:solidFill>
-                  <a:srgbClr val="2C2C36"/>
-                </a:solidFill>
-                <a:effectLst/>
-                <a:latin typeface="system-ui"/>
-              </a:rPr>
-              <a:t>Runs workflows directly in your GitHub repository.</a:t>
-            </a:r>
-          </a:p>
-          <a:p>
-            <a:endParaRPr lang="en-US" dirty="0"/>
-          </a:p>
-        </p:txBody>
-      </p:sp>
+      </p:pic>
       <p:pic>
         <p:nvPicPr>
-          <p:cNvPr id="1026" name="Picture 2">
-            <a:extLst>
-              <a:ext uri="{FF2B5EF4-FFF2-40B4-BE49-F238E27FC236}">
-                <a16:creationId xmlns:a16="http://schemas.microsoft.com/office/drawing/2014/main" id="{92AE1A95-B9B1-3097-1054-EDBC6BF2CF60}"/>
+          <p:cNvPr id="7" name="Graphic 6">
+            <a:extLst>
+              <a:ext uri="{FF2B5EF4-FFF2-40B4-BE49-F238E27FC236}">
+                <a16:creationId xmlns:a16="http://schemas.microsoft.com/office/drawing/2014/main" id="{360CA007-8A3B-649E-D9EA-DF76046C22F2}"/>
+              </a:ext>
+            </a:extLst>
+          </p:cNvPr>
+          <p:cNvPicPr>
+            <a:picLocks noChangeAspect="1"/>
+          </p:cNvPicPr>
+          <p:nvPr/>
+        </p:nvPicPr>
+        <p:blipFill>
+          <a:blip r:embed="rId4">
+            <a:extLst>
+              <a:ext uri="{96DAC541-7B7A-43D3-8B79-37D633B846F1}">
+                <asvg:svgBlip xmlns:asvg="http://schemas.microsoft.com/office/drawing/2016/SVG/main" r:embed="rId5"/>
+              </a:ext>
+            </a:extLst>
+          </a:blip>
+          <a:stretch>
+            <a:fillRect/>
+          </a:stretch>
+        </p:blipFill>
+        <p:spPr>
+          <a:xfrm>
+            <a:off x="9655197" y="1803115"/>
+            <a:ext cx="1338151" cy="1338151"/>
+          </a:xfrm>
+          <a:prstGeom prst="rect">
+            <a:avLst/>
+          </a:prstGeom>
+        </p:spPr>
+      </p:pic>
+      <p:pic>
+        <p:nvPicPr>
+          <p:cNvPr id="9" name="Graphic 8">
+            <a:extLst>
+              <a:ext uri="{FF2B5EF4-FFF2-40B4-BE49-F238E27FC236}">
+                <a16:creationId xmlns:a16="http://schemas.microsoft.com/office/drawing/2014/main" id="{97549EA4-36B4-7A07-FB52-352D76EBA0DB}"/>
+              </a:ext>
+            </a:extLst>
+          </p:cNvPr>
+          <p:cNvPicPr>
+            <a:picLocks noChangeAspect="1"/>
+          </p:cNvPicPr>
+          <p:nvPr/>
+        </p:nvPicPr>
+        <p:blipFill>
+          <a:blip r:embed="rId6">
+            <a:extLst>
+              <a:ext uri="{96DAC541-7B7A-43D3-8B79-37D633B846F1}">
+                <asvg:svgBlip xmlns:asvg="http://schemas.microsoft.com/office/drawing/2016/SVG/main" r:embed="rId7"/>
+              </a:ext>
+            </a:extLst>
+          </a:blip>
+          <a:stretch>
+            <a:fillRect/>
+          </a:stretch>
+        </p:blipFill>
+        <p:spPr>
+          <a:xfrm>
+            <a:off x="9655197" y="3429000"/>
+            <a:ext cx="1219200" cy="1219200"/>
+          </a:xfrm>
+          <a:prstGeom prst="rect">
+            <a:avLst/>
+          </a:prstGeom>
+        </p:spPr>
+      </p:pic>
+      <p:pic>
+        <p:nvPicPr>
+          <p:cNvPr id="11" name="Graphic 10">
+            <a:extLst>
+              <a:ext uri="{FF2B5EF4-FFF2-40B4-BE49-F238E27FC236}">
+                <a16:creationId xmlns:a16="http://schemas.microsoft.com/office/drawing/2014/main" id="{F4992FA6-3FE1-EC7D-3EE8-B372099B6913}"/>
+              </a:ext>
+            </a:extLst>
+          </p:cNvPr>
+          <p:cNvPicPr>
+            <a:picLocks noChangeAspect="1"/>
+          </p:cNvPicPr>
+          <p:nvPr/>
+        </p:nvPicPr>
+        <p:blipFill>
+          <a:blip r:embed="rId8">
+            <a:extLst>
+              <a:ext uri="{96DAC541-7B7A-43D3-8B79-37D633B846F1}">
+                <asvg:svgBlip xmlns:asvg="http://schemas.microsoft.com/office/drawing/2016/SVG/main" r:embed="rId9"/>
+              </a:ext>
+            </a:extLst>
+          </a:blip>
+          <a:stretch>
+            <a:fillRect/>
+          </a:stretch>
+        </p:blipFill>
+        <p:spPr>
+          <a:xfrm>
+            <a:off x="9774148" y="5252270"/>
+            <a:ext cx="1219200" cy="1219200"/>
+          </a:xfrm>
+          <a:prstGeom prst="rect">
+            <a:avLst/>
+          </a:prstGeom>
+        </p:spPr>
+      </p:pic>
+      <p:pic>
+        <p:nvPicPr>
+          <p:cNvPr id="13314" name="Picture 2">
+            <a:extLst>
+              <a:ext uri="{FF2B5EF4-FFF2-40B4-BE49-F238E27FC236}">
+                <a16:creationId xmlns:a16="http://schemas.microsoft.com/office/drawing/2014/main" id="{33CC3C2C-2790-42C9-D071-CC51EF7A71F5}"/>
               </a:ext>
             </a:extLst>
           </p:cNvPr>
@@ -5991,7 +6155,7 @@
           <p:nvPr/>
         </p:nvPicPr>
         <p:blipFill>
-          <a:blip r:embed="rId2">
+          <a:blip r:embed="rId10">
             <a:extLst>
               <a:ext uri="{28A0092B-C50C-407E-A947-70E740481C1C}">
                 <a14:useLocalDpi xmlns:a14="http://schemas.microsoft.com/office/drawing/2010/main" val="0"/>
@@ -6005,8 +6169,8 @@
         </p:blipFill>
         <p:spPr bwMode="auto">
           <a:xfrm>
-            <a:off x="2305050" y="3770617"/>
-            <a:ext cx="7581900" cy="2333625"/>
+            <a:off x="0" y="1027906"/>
+            <a:ext cx="8353425" cy="5715000"/>
           </a:xfrm>
           <a:prstGeom prst="rect">
             <a:avLst/>
@@ -6026,7 +6190,7 @@
     </p:spTree>
     <p:extLst>
       <p:ext uri="{BB962C8B-B14F-4D97-AF65-F5344CB8AC3E}">
-        <p14:creationId xmlns:p14="http://schemas.microsoft.com/office/powerpoint/2010/main" val="1574657768"/>
+        <p14:creationId xmlns:p14="http://schemas.microsoft.com/office/powerpoint/2010/main" val="1112053669"/>
       </p:ext>
     </p:extLst>
   </p:cSld>
@@ -6058,7 +6222,7 @@
           <p:cNvPr id="2" name="Title 1">
             <a:extLst>
               <a:ext uri="{FF2B5EF4-FFF2-40B4-BE49-F238E27FC236}">
-                <a16:creationId xmlns:a16="http://schemas.microsoft.com/office/drawing/2014/main" id="{AAA01A27-743A-6F56-B64A-8F27B8B0090F}"/>
+                <a16:creationId xmlns:a16="http://schemas.microsoft.com/office/drawing/2014/main" id="{95C2E171-D308-0885-C928-29AEDF3E7A3E}"/>
               </a:ext>
             </a:extLst>
           </p:cNvPr>
@@ -6069,9 +6233,16 @@
             <p:ph type="title"/>
           </p:nvPr>
         </p:nvSpPr>
-        <p:spPr/>
-        <p:txBody>
-          <a:bodyPr/>
+        <p:spPr>
+          <a:xfrm>
+            <a:off x="838200" y="681037"/>
+            <a:ext cx="10515600" cy="1009651"/>
+          </a:xfrm>
+        </p:spPr>
+        <p:txBody>
+          <a:bodyPr>
+            <a:normAutofit fontScale="90000"/>
+          </a:bodyPr>
           <a:lstStyle/>
           <a:p>
             <a:r>
@@ -6082,7 +6253,7 @@
                 <a:effectLst/>
                 <a:latin typeface="system-ui"/>
               </a:rPr>
-              <a:t>What is CI/CD?</a:t>
+              <a:t>What is GitHub Actions?</a:t>
             </a:r>
             <a:br>
               <a:rPr lang="en-US" b="1" i="0" dirty="0">
@@ -6099,195 +6270,95 @@
       </p:sp>
       <p:sp>
         <p:nvSpPr>
-          <p:cNvPr id="4" name="Content Placeholder 2">
-            <a:extLst>
-              <a:ext uri="{FF2B5EF4-FFF2-40B4-BE49-F238E27FC236}">
-                <a16:creationId xmlns:a16="http://schemas.microsoft.com/office/drawing/2014/main" id="{768C3779-20EB-F750-71BF-840B0625BA02}"/>
-              </a:ext>
-            </a:extLst>
-          </p:cNvPr>
-          <p:cNvSpPr txBox="1">
-            <a:spLocks/>
-          </p:cNvSpPr>
-          <p:nvPr/>
+          <p:cNvPr id="3" name="Content Placeholder 2">
+            <a:extLst>
+              <a:ext uri="{FF2B5EF4-FFF2-40B4-BE49-F238E27FC236}">
+                <a16:creationId xmlns:a16="http://schemas.microsoft.com/office/drawing/2014/main" id="{690DD695-E414-6F92-E9FC-1270C73EC1D8}"/>
+              </a:ext>
+            </a:extLst>
+          </p:cNvPr>
+          <p:cNvSpPr>
+            <a:spLocks noGrp="1"/>
+          </p:cNvSpPr>
+          <p:nvPr>
+            <p:ph idx="1"/>
+          </p:nvPr>
         </p:nvSpPr>
         <p:spPr>
           <a:xfrm>
-            <a:off x="9308385" y="1253331"/>
-            <a:ext cx="2640459" cy="4931712"/>
+            <a:off x="838200" y="1571947"/>
+            <a:ext cx="10227067" cy="2198670"/>
           </a:xfrm>
-          <a:prstGeom prst="rect">
-            <a:avLst/>
-          </a:prstGeom>
         </p:spPr>
         <p:txBody>
-          <a:bodyPr vert="horz" lIns="91440" tIns="45720" rIns="91440" bIns="45720" rtlCol="0">
-            <a:normAutofit/>
-          </a:bodyPr>
-          <a:lstStyle>
-            <a:lvl1pPr marL="228600" indent="-228600" algn="l" defTabSz="914400" rtl="0" eaLnBrk="1" latinLnBrk="0" hangingPunct="1">
-              <a:lnSpc>
-                <a:spcPct val="90000"/>
-              </a:lnSpc>
+          <a:bodyPr/>
+          <a:lstStyle/>
+          <a:p>
+            <a:pPr algn="l">
               <a:spcBef>
-                <a:spcPts val="1000"/>
+                <a:spcPts val="900"/>
               </a:spcBef>
+              <a:spcAft>
+                <a:spcPts val="900"/>
+              </a:spcAft>
               <a:buFont typeface="Arial" panose="020B0604020202020204" pitchFamily="34" charset="0"/>
               <a:buChar char="•"/>
-              <a:defRPr sz="2800" kern="1200">
-                <a:solidFill>
-                  <a:schemeClr val="tx1"/>
-                </a:solidFill>
-                <a:latin typeface="+mn-lt"/>
-                <a:ea typeface="+mn-ea"/>
-                <a:cs typeface="+mn-cs"/>
-              </a:defRPr>
-            </a:lvl1pPr>
-            <a:lvl2pPr marL="685800" indent="-228600" algn="l" defTabSz="914400" rtl="0" eaLnBrk="1" latinLnBrk="0" hangingPunct="1">
-              <a:lnSpc>
-                <a:spcPct val="90000"/>
-              </a:lnSpc>
+            </a:pPr>
+            <a:r>
+              <a:rPr lang="en-US" b="0" i="0" dirty="0">
+                <a:solidFill>
+                  <a:srgbClr val="2C2C36"/>
+                </a:solidFill>
+                <a:effectLst/>
+                <a:latin typeface="system-ui"/>
+              </a:rPr>
+              <a:t>GitHub Actions is a CI/CD tool integrated into GitHub.</a:t>
+            </a:r>
+          </a:p>
+          <a:p>
+            <a:pPr algn="l">
               <a:spcBef>
-                <a:spcPts val="500"/>
+                <a:spcPts val="900"/>
               </a:spcBef>
+              <a:spcAft>
+                <a:spcPts val="900"/>
+              </a:spcAft>
               <a:buFont typeface="Arial" panose="020B0604020202020204" pitchFamily="34" charset="0"/>
               <a:buChar char="•"/>
-              <a:defRPr sz="2400" kern="1200">
-                <a:solidFill>
-                  <a:schemeClr val="tx1"/>
-                </a:solidFill>
-                <a:latin typeface="+mn-lt"/>
-                <a:ea typeface="+mn-ea"/>
-                <a:cs typeface="+mn-cs"/>
-              </a:defRPr>
-            </a:lvl2pPr>
-            <a:lvl3pPr marL="1143000" indent="-228600" algn="l" defTabSz="914400" rtl="0" eaLnBrk="1" latinLnBrk="0" hangingPunct="1">
-              <a:lnSpc>
-                <a:spcPct val="90000"/>
-              </a:lnSpc>
+            </a:pPr>
+            <a:r>
+              <a:rPr lang="en-US" b="0" i="0" dirty="0">
+                <a:solidFill>
+                  <a:srgbClr val="2C2C36"/>
+                </a:solidFill>
+                <a:effectLst/>
+                <a:latin typeface="system-ui"/>
+              </a:rPr>
+              <a:t>Automates tasks like testing, building, and deploying code.</a:t>
+            </a:r>
+          </a:p>
+          <a:p>
+            <a:pPr algn="l">
               <a:spcBef>
-                <a:spcPts val="500"/>
+                <a:spcPts val="900"/>
               </a:spcBef>
+              <a:spcAft>
+                <a:spcPts val="900"/>
+              </a:spcAft>
               <a:buFont typeface="Arial" panose="020B0604020202020204" pitchFamily="34" charset="0"/>
               <a:buChar char="•"/>
-              <a:defRPr sz="2000" kern="1200">
-                <a:solidFill>
-                  <a:schemeClr val="tx1"/>
-                </a:solidFill>
-                <a:latin typeface="+mn-lt"/>
-                <a:ea typeface="+mn-ea"/>
-                <a:cs typeface="+mn-cs"/>
-              </a:defRPr>
-            </a:lvl3pPr>
-            <a:lvl4pPr marL="1600200" indent="-228600" algn="l" defTabSz="914400" rtl="0" eaLnBrk="1" latinLnBrk="0" hangingPunct="1">
-              <a:lnSpc>
-                <a:spcPct val="90000"/>
-              </a:lnSpc>
-              <a:spcBef>
-                <a:spcPts val="500"/>
-              </a:spcBef>
-              <a:buFont typeface="Arial" panose="020B0604020202020204" pitchFamily="34" charset="0"/>
-              <a:buChar char="•"/>
-              <a:defRPr sz="1800" kern="1200">
-                <a:solidFill>
-                  <a:schemeClr val="tx1"/>
-                </a:solidFill>
-                <a:latin typeface="+mn-lt"/>
-                <a:ea typeface="+mn-ea"/>
-                <a:cs typeface="+mn-cs"/>
-              </a:defRPr>
-            </a:lvl4pPr>
-            <a:lvl5pPr marL="2057400" indent="-228600" algn="l" defTabSz="914400" rtl="0" eaLnBrk="1" latinLnBrk="0" hangingPunct="1">
-              <a:lnSpc>
-                <a:spcPct val="90000"/>
-              </a:lnSpc>
-              <a:spcBef>
-                <a:spcPts val="500"/>
-              </a:spcBef>
-              <a:buFont typeface="Arial" panose="020B0604020202020204" pitchFamily="34" charset="0"/>
-              <a:buChar char="•"/>
-              <a:defRPr sz="1800" kern="1200">
-                <a:solidFill>
-                  <a:schemeClr val="tx1"/>
-                </a:solidFill>
-                <a:latin typeface="+mn-lt"/>
-                <a:ea typeface="+mn-ea"/>
-                <a:cs typeface="+mn-cs"/>
-              </a:defRPr>
-            </a:lvl5pPr>
-            <a:lvl6pPr marL="2514600" indent="-228600" algn="l" defTabSz="914400" rtl="0" eaLnBrk="1" latinLnBrk="0" hangingPunct="1">
-              <a:lnSpc>
-                <a:spcPct val="90000"/>
-              </a:lnSpc>
-              <a:spcBef>
-                <a:spcPts val="500"/>
-              </a:spcBef>
-              <a:buFont typeface="Arial" panose="020B0604020202020204" pitchFamily="34" charset="0"/>
-              <a:buChar char="•"/>
-              <a:defRPr sz="1800" kern="1200">
-                <a:solidFill>
-                  <a:schemeClr val="tx1"/>
-                </a:solidFill>
-                <a:latin typeface="+mn-lt"/>
-                <a:ea typeface="+mn-ea"/>
-                <a:cs typeface="+mn-cs"/>
-              </a:defRPr>
-            </a:lvl6pPr>
-            <a:lvl7pPr marL="2971800" indent="-228600" algn="l" defTabSz="914400" rtl="0" eaLnBrk="1" latinLnBrk="0" hangingPunct="1">
-              <a:lnSpc>
-                <a:spcPct val="90000"/>
-              </a:lnSpc>
-              <a:spcBef>
-                <a:spcPts val="500"/>
-              </a:spcBef>
-              <a:buFont typeface="Arial" panose="020B0604020202020204" pitchFamily="34" charset="0"/>
-              <a:buChar char="•"/>
-              <a:defRPr sz="1800" kern="1200">
-                <a:solidFill>
-                  <a:schemeClr val="tx1"/>
-                </a:solidFill>
-                <a:latin typeface="+mn-lt"/>
-                <a:ea typeface="+mn-ea"/>
-                <a:cs typeface="+mn-cs"/>
-              </a:defRPr>
-            </a:lvl7pPr>
-            <a:lvl8pPr marL="3429000" indent="-228600" algn="l" defTabSz="914400" rtl="0" eaLnBrk="1" latinLnBrk="0" hangingPunct="1">
-              <a:lnSpc>
-                <a:spcPct val="90000"/>
-              </a:lnSpc>
-              <a:spcBef>
-                <a:spcPts val="500"/>
-              </a:spcBef>
-              <a:buFont typeface="Arial" panose="020B0604020202020204" pitchFamily="34" charset="0"/>
-              <a:buChar char="•"/>
-              <a:defRPr sz="1800" kern="1200">
-                <a:solidFill>
-                  <a:schemeClr val="tx1"/>
-                </a:solidFill>
-                <a:latin typeface="+mn-lt"/>
-                <a:ea typeface="+mn-ea"/>
-                <a:cs typeface="+mn-cs"/>
-              </a:defRPr>
-            </a:lvl8pPr>
-            <a:lvl9pPr marL="3886200" indent="-228600" algn="l" defTabSz="914400" rtl="0" eaLnBrk="1" latinLnBrk="0" hangingPunct="1">
-              <a:lnSpc>
-                <a:spcPct val="90000"/>
-              </a:lnSpc>
-              <a:spcBef>
-                <a:spcPts val="500"/>
-              </a:spcBef>
-              <a:buFont typeface="Arial" panose="020B0604020202020204" pitchFamily="34" charset="0"/>
-              <a:buChar char="•"/>
-              <a:defRPr sz="1800" kern="1200">
-                <a:solidFill>
-                  <a:schemeClr val="tx1"/>
-                </a:solidFill>
-                <a:latin typeface="+mn-lt"/>
-                <a:ea typeface="+mn-ea"/>
-                <a:cs typeface="+mn-cs"/>
-              </a:defRPr>
-            </a:lvl9pPr>
-          </a:lstStyle>
+            </a:pPr>
+            <a:r>
+              <a:rPr lang="en-US" b="0" i="0" dirty="0">
+                <a:solidFill>
+                  <a:srgbClr val="2C2C36"/>
+                </a:solidFill>
+                <a:effectLst/>
+                <a:latin typeface="system-ui"/>
+              </a:rPr>
+              <a:t>Runs workflows directly in your GitHub repository.</a:t>
+            </a:r>
+          </a:p>
           <a:p>
             <a:endParaRPr lang="en-US" dirty="0"/>
           </a:p>
@@ -6295,10 +6366,10 @@
       </p:sp>
       <p:pic>
         <p:nvPicPr>
-          <p:cNvPr id="7176" name="Picture 8">
-            <a:extLst>
-              <a:ext uri="{FF2B5EF4-FFF2-40B4-BE49-F238E27FC236}">
-                <a16:creationId xmlns:a16="http://schemas.microsoft.com/office/drawing/2014/main" id="{7F1CF191-0093-FED7-B369-FB14774B1A31}"/>
+          <p:cNvPr id="1026" name="Picture 2">
+            <a:extLst>
+              <a:ext uri="{FF2B5EF4-FFF2-40B4-BE49-F238E27FC236}">
+                <a16:creationId xmlns:a16="http://schemas.microsoft.com/office/drawing/2014/main" id="{92AE1A95-B9B1-3097-1054-EDBC6BF2CF60}"/>
               </a:ext>
             </a:extLst>
           </p:cNvPr>
@@ -6322,8 +6393,8 @@
         </p:blipFill>
         <p:spPr bwMode="auto">
           <a:xfrm>
-            <a:off x="243156" y="1200043"/>
-            <a:ext cx="7781086" cy="4457914"/>
+            <a:off x="2305050" y="3770617"/>
+            <a:ext cx="7581900" cy="2333625"/>
           </a:xfrm>
           <a:prstGeom prst="rect">
             <a:avLst/>
@@ -6340,57 +6411,10 @@
           </a:extLst>
         </p:spPr>
       </p:pic>
-      <p:pic>
-        <p:nvPicPr>
-          <p:cNvPr id="7182" name="Picture 14">
-            <a:extLst>
-              <a:ext uri="{FF2B5EF4-FFF2-40B4-BE49-F238E27FC236}">
-                <a16:creationId xmlns:a16="http://schemas.microsoft.com/office/drawing/2014/main" id="{1CD4AC33-3930-0152-7022-7E612696737A}"/>
-              </a:ext>
-            </a:extLst>
-          </p:cNvPr>
-          <p:cNvPicPr>
-            <a:picLocks noChangeAspect="1" noChangeArrowheads="1"/>
-          </p:cNvPicPr>
-          <p:nvPr/>
-        </p:nvPicPr>
-        <p:blipFill>
-          <a:blip r:embed="rId3">
-            <a:extLst>
-              <a:ext uri="{28A0092B-C50C-407E-A947-70E740481C1C}">
-                <a14:useLocalDpi xmlns:a14="http://schemas.microsoft.com/office/drawing/2010/main" val="0"/>
-              </a:ext>
-            </a:extLst>
-          </a:blip>
-          <a:srcRect/>
-          <a:stretch>
-            <a:fillRect/>
-          </a:stretch>
-        </p:blipFill>
-        <p:spPr bwMode="auto">
-          <a:xfrm>
-            <a:off x="7861426" y="1294955"/>
-            <a:ext cx="4467563" cy="5197920"/>
-          </a:xfrm>
-          <a:prstGeom prst="rect">
-            <a:avLst/>
-          </a:prstGeom>
-          <a:noFill/>
-          <a:extLst>
-            <a:ext uri="{909E8E84-426E-40DD-AFC4-6F175D3DCCD1}">
-              <a14:hiddenFill xmlns:a14="http://schemas.microsoft.com/office/drawing/2010/main">
-                <a:solidFill>
-                  <a:srgbClr val="FFFFFF"/>
-                </a:solidFill>
-              </a14:hiddenFill>
-            </a:ext>
-          </a:extLst>
-        </p:spPr>
-      </p:pic>
     </p:spTree>
     <p:extLst>
       <p:ext uri="{BB962C8B-B14F-4D97-AF65-F5344CB8AC3E}">
-        <p14:creationId xmlns:p14="http://schemas.microsoft.com/office/powerpoint/2010/main" val="2471090584"/>
+        <p14:creationId xmlns:p14="http://schemas.microsoft.com/office/powerpoint/2010/main" val="1574657768"/>
       </p:ext>
     </p:extLst>
   </p:cSld>
@@ -6422,7 +6446,7 @@
           <p:cNvPr id="2" name="Title 1">
             <a:extLst>
               <a:ext uri="{FF2B5EF4-FFF2-40B4-BE49-F238E27FC236}">
-                <a16:creationId xmlns:a16="http://schemas.microsoft.com/office/drawing/2014/main" id="{EC57B4DE-0686-EEC1-9301-669476B75ED9}"/>
+                <a16:creationId xmlns:a16="http://schemas.microsoft.com/office/drawing/2014/main" id="{AAA01A27-743A-6F56-B64A-8F27B8B0090F}"/>
               </a:ext>
             </a:extLst>
           </p:cNvPr>
@@ -6433,16 +6457,9 @@
             <p:ph type="title"/>
           </p:nvPr>
         </p:nvSpPr>
-        <p:spPr>
-          <a:xfrm>
-            <a:off x="838200" y="681037"/>
-            <a:ext cx="10515600" cy="1009651"/>
-          </a:xfrm>
-        </p:spPr>
-        <p:txBody>
-          <a:bodyPr>
-            <a:normAutofit fontScale="90000"/>
-          </a:bodyPr>
+        <p:spPr/>
+        <p:txBody>
+          <a:bodyPr/>
           <a:lstStyle/>
           <a:p>
             <a:r>
@@ -6453,7 +6470,7 @@
                 <a:effectLst/>
                 <a:latin typeface="system-ui"/>
               </a:rPr>
-              <a:t>Why Use GitHub Actions?</a:t>
+              <a:t>What is CI/CD?</a:t>
             </a:r>
             <a:br>
               <a:rPr lang="en-US" b="1" i="0" dirty="0">
@@ -6470,60 +6487,195 @@
       </p:sp>
       <p:sp>
         <p:nvSpPr>
-          <p:cNvPr id="3" name="Content Placeholder 2">
-            <a:extLst>
-              <a:ext uri="{FF2B5EF4-FFF2-40B4-BE49-F238E27FC236}">
-                <a16:creationId xmlns:a16="http://schemas.microsoft.com/office/drawing/2014/main" id="{D55DCF92-3803-D7F4-0092-2CC4C6E113AE}"/>
-              </a:ext>
-            </a:extLst>
-          </p:cNvPr>
-          <p:cNvSpPr>
-            <a:spLocks noGrp="1"/>
-          </p:cNvSpPr>
-          <p:nvPr>
-            <p:ph idx="1"/>
-          </p:nvPr>
+          <p:cNvPr id="4" name="Content Placeholder 2">
+            <a:extLst>
+              <a:ext uri="{FF2B5EF4-FFF2-40B4-BE49-F238E27FC236}">
+                <a16:creationId xmlns:a16="http://schemas.microsoft.com/office/drawing/2014/main" id="{768C3779-20EB-F750-71BF-840B0625BA02}"/>
+              </a:ext>
+            </a:extLst>
+          </p:cNvPr>
+          <p:cNvSpPr txBox="1">
+            <a:spLocks/>
+          </p:cNvSpPr>
+          <p:nvPr/>
         </p:nvSpPr>
         <p:spPr>
           <a:xfrm>
-            <a:off x="7551505" y="3482829"/>
-            <a:ext cx="4418744" cy="493160"/>
+            <a:off x="9308385" y="1253331"/>
+            <a:ext cx="2640459" cy="4931712"/>
           </a:xfrm>
+          <a:prstGeom prst="rect">
+            <a:avLst/>
+          </a:prstGeom>
         </p:spPr>
         <p:txBody>
-          <a:bodyPr>
-            <a:normAutofit fontScale="85000" lnSpcReduction="20000"/>
+          <a:bodyPr vert="horz" lIns="91440" tIns="45720" rIns="91440" bIns="45720" rtlCol="0">
+            <a:normAutofit/>
           </a:bodyPr>
-          <a:lstStyle/>
-          <a:p>
-            <a:pPr marL="0" indent="0" algn="l">
+          <a:lstStyle>
+            <a:lvl1pPr marL="228600" indent="-228600" algn="l" defTabSz="914400" rtl="0" eaLnBrk="1" latinLnBrk="0" hangingPunct="1">
+              <a:lnSpc>
+                <a:spcPct val="90000"/>
+              </a:lnSpc>
               <a:spcBef>
-                <a:spcPts val="900"/>
+                <a:spcPts val="1000"/>
               </a:spcBef>
-              <a:spcAft>
-                <a:spcPts val="900"/>
-              </a:spcAft>
-              <a:buNone/>
-            </a:pPr>
-            <a:r>
-              <a:rPr lang="en-US" b="0" i="0" dirty="0">
-                <a:solidFill>
-                  <a:srgbClr val="2C2C36"/>
-                </a:solidFill>
-                <a:effectLst/>
-                <a:latin typeface="system-ui"/>
-                <a:hlinkClick r:id="rId3"/>
-              </a:rPr>
-              <a:t>https://github.com/marketplace</a:t>
-            </a:r>
-            <a:endParaRPr lang="en-US" b="0" i="0" dirty="0">
-              <a:solidFill>
-                <a:srgbClr val="2C2C36"/>
-              </a:solidFill>
-              <a:effectLst/>
-              <a:latin typeface="system-ui"/>
-            </a:endParaRPr>
-          </a:p>
+              <a:buFont typeface="Arial" panose="020B0604020202020204" pitchFamily="34" charset="0"/>
+              <a:buChar char="•"/>
+              <a:defRPr sz="2800" kern="1200">
+                <a:solidFill>
+                  <a:schemeClr val="tx1"/>
+                </a:solidFill>
+                <a:latin typeface="+mn-lt"/>
+                <a:ea typeface="+mn-ea"/>
+                <a:cs typeface="+mn-cs"/>
+              </a:defRPr>
+            </a:lvl1pPr>
+            <a:lvl2pPr marL="685800" indent="-228600" algn="l" defTabSz="914400" rtl="0" eaLnBrk="1" latinLnBrk="0" hangingPunct="1">
+              <a:lnSpc>
+                <a:spcPct val="90000"/>
+              </a:lnSpc>
+              <a:spcBef>
+                <a:spcPts val="500"/>
+              </a:spcBef>
+              <a:buFont typeface="Arial" panose="020B0604020202020204" pitchFamily="34" charset="0"/>
+              <a:buChar char="•"/>
+              <a:defRPr sz="2400" kern="1200">
+                <a:solidFill>
+                  <a:schemeClr val="tx1"/>
+                </a:solidFill>
+                <a:latin typeface="+mn-lt"/>
+                <a:ea typeface="+mn-ea"/>
+                <a:cs typeface="+mn-cs"/>
+              </a:defRPr>
+            </a:lvl2pPr>
+            <a:lvl3pPr marL="1143000" indent="-228600" algn="l" defTabSz="914400" rtl="0" eaLnBrk="1" latinLnBrk="0" hangingPunct="1">
+              <a:lnSpc>
+                <a:spcPct val="90000"/>
+              </a:lnSpc>
+              <a:spcBef>
+                <a:spcPts val="500"/>
+              </a:spcBef>
+              <a:buFont typeface="Arial" panose="020B0604020202020204" pitchFamily="34" charset="0"/>
+              <a:buChar char="•"/>
+              <a:defRPr sz="2000" kern="1200">
+                <a:solidFill>
+                  <a:schemeClr val="tx1"/>
+                </a:solidFill>
+                <a:latin typeface="+mn-lt"/>
+                <a:ea typeface="+mn-ea"/>
+                <a:cs typeface="+mn-cs"/>
+              </a:defRPr>
+            </a:lvl3pPr>
+            <a:lvl4pPr marL="1600200" indent="-228600" algn="l" defTabSz="914400" rtl="0" eaLnBrk="1" latinLnBrk="0" hangingPunct="1">
+              <a:lnSpc>
+                <a:spcPct val="90000"/>
+              </a:lnSpc>
+              <a:spcBef>
+                <a:spcPts val="500"/>
+              </a:spcBef>
+              <a:buFont typeface="Arial" panose="020B0604020202020204" pitchFamily="34" charset="0"/>
+              <a:buChar char="•"/>
+              <a:defRPr sz="1800" kern="1200">
+                <a:solidFill>
+                  <a:schemeClr val="tx1"/>
+                </a:solidFill>
+                <a:latin typeface="+mn-lt"/>
+                <a:ea typeface="+mn-ea"/>
+                <a:cs typeface="+mn-cs"/>
+              </a:defRPr>
+            </a:lvl4pPr>
+            <a:lvl5pPr marL="2057400" indent="-228600" algn="l" defTabSz="914400" rtl="0" eaLnBrk="1" latinLnBrk="0" hangingPunct="1">
+              <a:lnSpc>
+                <a:spcPct val="90000"/>
+              </a:lnSpc>
+              <a:spcBef>
+                <a:spcPts val="500"/>
+              </a:spcBef>
+              <a:buFont typeface="Arial" panose="020B0604020202020204" pitchFamily="34" charset="0"/>
+              <a:buChar char="•"/>
+              <a:defRPr sz="1800" kern="1200">
+                <a:solidFill>
+                  <a:schemeClr val="tx1"/>
+                </a:solidFill>
+                <a:latin typeface="+mn-lt"/>
+                <a:ea typeface="+mn-ea"/>
+                <a:cs typeface="+mn-cs"/>
+              </a:defRPr>
+            </a:lvl5pPr>
+            <a:lvl6pPr marL="2514600" indent="-228600" algn="l" defTabSz="914400" rtl="0" eaLnBrk="1" latinLnBrk="0" hangingPunct="1">
+              <a:lnSpc>
+                <a:spcPct val="90000"/>
+              </a:lnSpc>
+              <a:spcBef>
+                <a:spcPts val="500"/>
+              </a:spcBef>
+              <a:buFont typeface="Arial" panose="020B0604020202020204" pitchFamily="34" charset="0"/>
+              <a:buChar char="•"/>
+              <a:defRPr sz="1800" kern="1200">
+                <a:solidFill>
+                  <a:schemeClr val="tx1"/>
+                </a:solidFill>
+                <a:latin typeface="+mn-lt"/>
+                <a:ea typeface="+mn-ea"/>
+                <a:cs typeface="+mn-cs"/>
+              </a:defRPr>
+            </a:lvl6pPr>
+            <a:lvl7pPr marL="2971800" indent="-228600" algn="l" defTabSz="914400" rtl="0" eaLnBrk="1" latinLnBrk="0" hangingPunct="1">
+              <a:lnSpc>
+                <a:spcPct val="90000"/>
+              </a:lnSpc>
+              <a:spcBef>
+                <a:spcPts val="500"/>
+              </a:spcBef>
+              <a:buFont typeface="Arial" panose="020B0604020202020204" pitchFamily="34" charset="0"/>
+              <a:buChar char="•"/>
+              <a:defRPr sz="1800" kern="1200">
+                <a:solidFill>
+                  <a:schemeClr val="tx1"/>
+                </a:solidFill>
+                <a:latin typeface="+mn-lt"/>
+                <a:ea typeface="+mn-ea"/>
+                <a:cs typeface="+mn-cs"/>
+              </a:defRPr>
+            </a:lvl7pPr>
+            <a:lvl8pPr marL="3429000" indent="-228600" algn="l" defTabSz="914400" rtl="0" eaLnBrk="1" latinLnBrk="0" hangingPunct="1">
+              <a:lnSpc>
+                <a:spcPct val="90000"/>
+              </a:lnSpc>
+              <a:spcBef>
+                <a:spcPts val="500"/>
+              </a:spcBef>
+              <a:buFont typeface="Arial" panose="020B0604020202020204" pitchFamily="34" charset="0"/>
+              <a:buChar char="•"/>
+              <a:defRPr sz="1800" kern="1200">
+                <a:solidFill>
+                  <a:schemeClr val="tx1"/>
+                </a:solidFill>
+                <a:latin typeface="+mn-lt"/>
+                <a:ea typeface="+mn-ea"/>
+                <a:cs typeface="+mn-cs"/>
+              </a:defRPr>
+            </a:lvl8pPr>
+            <a:lvl9pPr marL="3886200" indent="-228600" algn="l" defTabSz="914400" rtl="0" eaLnBrk="1" latinLnBrk="0" hangingPunct="1">
+              <a:lnSpc>
+                <a:spcPct val="90000"/>
+              </a:lnSpc>
+              <a:spcBef>
+                <a:spcPts val="500"/>
+              </a:spcBef>
+              <a:buFont typeface="Arial" panose="020B0604020202020204" pitchFamily="34" charset="0"/>
+              <a:buChar char="•"/>
+              <a:defRPr sz="1800" kern="1200">
+                <a:solidFill>
+                  <a:schemeClr val="tx1"/>
+                </a:solidFill>
+                <a:latin typeface="+mn-lt"/>
+                <a:ea typeface="+mn-ea"/>
+                <a:cs typeface="+mn-cs"/>
+              </a:defRPr>
+            </a:lvl9pPr>
+          </a:lstStyle>
           <a:p>
             <a:endParaRPr lang="en-US" dirty="0"/>
           </a:p>
@@ -6531,10 +6683,10 @@
       </p:sp>
       <p:pic>
         <p:nvPicPr>
-          <p:cNvPr id="8200" name="Picture 8">
-            <a:extLst>
-              <a:ext uri="{FF2B5EF4-FFF2-40B4-BE49-F238E27FC236}">
-                <a16:creationId xmlns:a16="http://schemas.microsoft.com/office/drawing/2014/main" id="{A6E20332-5ABF-C98E-89BB-583524BDFFAC}"/>
+          <p:cNvPr id="7176" name="Picture 8">
+            <a:extLst>
+              <a:ext uri="{FF2B5EF4-FFF2-40B4-BE49-F238E27FC236}">
+                <a16:creationId xmlns:a16="http://schemas.microsoft.com/office/drawing/2014/main" id="{7F1CF191-0093-FED7-B369-FB14774B1A31}"/>
               </a:ext>
             </a:extLst>
           </p:cNvPr>
@@ -6544,7 +6696,7 @@
           <p:nvPr/>
         </p:nvPicPr>
         <p:blipFill>
-          <a:blip r:embed="rId4">
+          <a:blip r:embed="rId2">
             <a:extLst>
               <a:ext uri="{28A0092B-C50C-407E-A947-70E740481C1C}">
                 <a14:useLocalDpi xmlns:a14="http://schemas.microsoft.com/office/drawing/2010/main" val="0"/>
@@ -6558,8 +6710,8 @@
         </p:blipFill>
         <p:spPr bwMode="auto">
           <a:xfrm>
-            <a:off x="113230" y="1094677"/>
-            <a:ext cx="6972300" cy="5762625"/>
+            <a:off x="243156" y="1200043"/>
+            <a:ext cx="7781086" cy="4457914"/>
           </a:xfrm>
           <a:prstGeom prst="rect">
             <a:avLst/>
@@ -6576,10 +6728,57 @@
           </a:extLst>
         </p:spPr>
       </p:pic>
+      <p:pic>
+        <p:nvPicPr>
+          <p:cNvPr id="7182" name="Picture 14">
+            <a:extLst>
+              <a:ext uri="{FF2B5EF4-FFF2-40B4-BE49-F238E27FC236}">
+                <a16:creationId xmlns:a16="http://schemas.microsoft.com/office/drawing/2014/main" id="{1CD4AC33-3930-0152-7022-7E612696737A}"/>
+              </a:ext>
+            </a:extLst>
+          </p:cNvPr>
+          <p:cNvPicPr>
+            <a:picLocks noChangeAspect="1" noChangeArrowheads="1"/>
+          </p:cNvPicPr>
+          <p:nvPr/>
+        </p:nvPicPr>
+        <p:blipFill>
+          <a:blip r:embed="rId3">
+            <a:extLst>
+              <a:ext uri="{28A0092B-C50C-407E-A947-70E740481C1C}">
+                <a14:useLocalDpi xmlns:a14="http://schemas.microsoft.com/office/drawing/2010/main" val="0"/>
+              </a:ext>
+            </a:extLst>
+          </a:blip>
+          <a:srcRect/>
+          <a:stretch>
+            <a:fillRect/>
+          </a:stretch>
+        </p:blipFill>
+        <p:spPr bwMode="auto">
+          <a:xfrm>
+            <a:off x="7861426" y="1294955"/>
+            <a:ext cx="4467563" cy="5197920"/>
+          </a:xfrm>
+          <a:prstGeom prst="rect">
+            <a:avLst/>
+          </a:prstGeom>
+          <a:noFill/>
+          <a:extLst>
+            <a:ext uri="{909E8E84-426E-40DD-AFC4-6F175D3DCCD1}">
+              <a14:hiddenFill xmlns:a14="http://schemas.microsoft.com/office/drawing/2010/main">
+                <a:solidFill>
+                  <a:srgbClr val="FFFFFF"/>
+                </a:solidFill>
+              </a14:hiddenFill>
+            </a:ext>
+          </a:extLst>
+        </p:spPr>
+      </p:pic>
     </p:spTree>
     <p:extLst>
       <p:ext uri="{BB962C8B-B14F-4D97-AF65-F5344CB8AC3E}">
-        <p14:creationId xmlns:p14="http://schemas.microsoft.com/office/powerpoint/2010/main" val="1222329441"/>
+        <p14:creationId xmlns:p14="http://schemas.microsoft.com/office/powerpoint/2010/main" val="2471090584"/>
       </p:ext>
     </p:extLst>
   </p:cSld>
@@ -6611,6 +6810,195 @@
           <p:cNvPr id="2" name="Title 1">
             <a:extLst>
               <a:ext uri="{FF2B5EF4-FFF2-40B4-BE49-F238E27FC236}">
+                <a16:creationId xmlns:a16="http://schemas.microsoft.com/office/drawing/2014/main" id="{EC57B4DE-0686-EEC1-9301-669476B75ED9}"/>
+              </a:ext>
+            </a:extLst>
+          </p:cNvPr>
+          <p:cNvSpPr>
+            <a:spLocks noGrp="1"/>
+          </p:cNvSpPr>
+          <p:nvPr>
+            <p:ph type="title"/>
+          </p:nvPr>
+        </p:nvSpPr>
+        <p:spPr>
+          <a:xfrm>
+            <a:off x="838200" y="681037"/>
+            <a:ext cx="10515600" cy="1009651"/>
+          </a:xfrm>
+        </p:spPr>
+        <p:txBody>
+          <a:bodyPr>
+            <a:normAutofit fontScale="90000"/>
+          </a:bodyPr>
+          <a:lstStyle/>
+          <a:p>
+            <a:r>
+              <a:rPr lang="en-US" b="1" i="0" dirty="0">
+                <a:solidFill>
+                  <a:srgbClr val="2C2C36"/>
+                </a:solidFill>
+                <a:effectLst/>
+                <a:latin typeface="system-ui"/>
+              </a:rPr>
+              <a:t>Why Use GitHub Actions?</a:t>
+            </a:r>
+            <a:br>
+              <a:rPr lang="en-US" b="1" i="0" dirty="0">
+                <a:solidFill>
+                  <a:srgbClr val="2C2C36"/>
+                </a:solidFill>
+                <a:effectLst/>
+                <a:latin typeface="system-ui"/>
+              </a:rPr>
+            </a:br>
+            <a:endParaRPr lang="en-US" dirty="0"/>
+          </a:p>
+        </p:txBody>
+      </p:sp>
+      <p:sp>
+        <p:nvSpPr>
+          <p:cNvPr id="3" name="Content Placeholder 2">
+            <a:extLst>
+              <a:ext uri="{FF2B5EF4-FFF2-40B4-BE49-F238E27FC236}">
+                <a16:creationId xmlns:a16="http://schemas.microsoft.com/office/drawing/2014/main" id="{D55DCF92-3803-D7F4-0092-2CC4C6E113AE}"/>
+              </a:ext>
+            </a:extLst>
+          </p:cNvPr>
+          <p:cNvSpPr>
+            <a:spLocks noGrp="1"/>
+          </p:cNvSpPr>
+          <p:nvPr>
+            <p:ph idx="1"/>
+          </p:nvPr>
+        </p:nvSpPr>
+        <p:spPr>
+          <a:xfrm>
+            <a:off x="7551505" y="3482829"/>
+            <a:ext cx="4418744" cy="493160"/>
+          </a:xfrm>
+        </p:spPr>
+        <p:txBody>
+          <a:bodyPr>
+            <a:normAutofit fontScale="85000" lnSpcReduction="20000"/>
+          </a:bodyPr>
+          <a:lstStyle/>
+          <a:p>
+            <a:pPr marL="0" indent="0" algn="l">
+              <a:spcBef>
+                <a:spcPts val="900"/>
+              </a:spcBef>
+              <a:spcAft>
+                <a:spcPts val="900"/>
+              </a:spcAft>
+              <a:buNone/>
+            </a:pPr>
+            <a:r>
+              <a:rPr lang="en-US" b="0" i="0" dirty="0">
+                <a:solidFill>
+                  <a:srgbClr val="2C2C36"/>
+                </a:solidFill>
+                <a:effectLst/>
+                <a:latin typeface="system-ui"/>
+                <a:hlinkClick r:id="rId3"/>
+              </a:rPr>
+              <a:t>https://github.com/marketplace</a:t>
+            </a:r>
+            <a:endParaRPr lang="en-US" b="0" i="0" dirty="0">
+              <a:solidFill>
+                <a:srgbClr val="2C2C36"/>
+              </a:solidFill>
+              <a:effectLst/>
+              <a:latin typeface="system-ui"/>
+            </a:endParaRPr>
+          </a:p>
+          <a:p>
+            <a:endParaRPr lang="en-US" dirty="0"/>
+          </a:p>
+        </p:txBody>
+      </p:sp>
+      <p:pic>
+        <p:nvPicPr>
+          <p:cNvPr id="8200" name="Picture 8">
+            <a:extLst>
+              <a:ext uri="{FF2B5EF4-FFF2-40B4-BE49-F238E27FC236}">
+                <a16:creationId xmlns:a16="http://schemas.microsoft.com/office/drawing/2014/main" id="{A6E20332-5ABF-C98E-89BB-583524BDFFAC}"/>
+              </a:ext>
+            </a:extLst>
+          </p:cNvPr>
+          <p:cNvPicPr>
+            <a:picLocks noChangeAspect="1" noChangeArrowheads="1"/>
+          </p:cNvPicPr>
+          <p:nvPr/>
+        </p:nvPicPr>
+        <p:blipFill>
+          <a:blip r:embed="rId4">
+            <a:extLst>
+              <a:ext uri="{28A0092B-C50C-407E-A947-70E740481C1C}">
+                <a14:useLocalDpi xmlns:a14="http://schemas.microsoft.com/office/drawing/2010/main" val="0"/>
+              </a:ext>
+            </a:extLst>
+          </a:blip>
+          <a:srcRect/>
+          <a:stretch>
+            <a:fillRect/>
+          </a:stretch>
+        </p:blipFill>
+        <p:spPr bwMode="auto">
+          <a:xfrm>
+            <a:off x="113230" y="1094677"/>
+            <a:ext cx="6972300" cy="5762625"/>
+          </a:xfrm>
+          <a:prstGeom prst="rect">
+            <a:avLst/>
+          </a:prstGeom>
+          <a:noFill/>
+          <a:extLst>
+            <a:ext uri="{909E8E84-426E-40DD-AFC4-6F175D3DCCD1}">
+              <a14:hiddenFill xmlns:a14="http://schemas.microsoft.com/office/drawing/2010/main">
+                <a:solidFill>
+                  <a:srgbClr val="FFFFFF"/>
+                </a:solidFill>
+              </a14:hiddenFill>
+            </a:ext>
+          </a:extLst>
+        </p:spPr>
+      </p:pic>
+    </p:spTree>
+    <p:extLst>
+      <p:ext uri="{BB962C8B-B14F-4D97-AF65-F5344CB8AC3E}">
+        <p14:creationId xmlns:p14="http://schemas.microsoft.com/office/powerpoint/2010/main" val="1222329441"/>
+      </p:ext>
+    </p:extLst>
+  </p:cSld>
+  <p:clrMapOvr>
+    <a:masterClrMapping/>
+  </p:clrMapOvr>
+</p:sld>
+</file>
+
+<file path=ppt/slides/slide7.xml><?xml version="1.0" encoding="utf-8"?>
+<p:sld xmlns:a="http://schemas.openxmlformats.org/drawingml/2006/main" xmlns:r="http://schemas.openxmlformats.org/officeDocument/2006/relationships" xmlns:p="http://schemas.openxmlformats.org/presentationml/2006/main">
+  <p:cSld>
+    <p:spTree>
+      <p:nvGrpSpPr>
+        <p:cNvPr id="1" name=""/>
+        <p:cNvGrpSpPr/>
+        <p:nvPr/>
+      </p:nvGrpSpPr>
+      <p:grpSpPr>
+        <a:xfrm>
+          <a:off x="0" y="0"/>
+          <a:ext cx="0" cy="0"/>
+          <a:chOff x="0" y="0"/>
+          <a:chExt cx="0" cy="0"/>
+        </a:xfrm>
+      </p:grpSpPr>
+      <p:sp>
+        <p:nvSpPr>
+          <p:cNvPr id="2" name="Title 1">
+            <a:extLst>
+              <a:ext uri="{FF2B5EF4-FFF2-40B4-BE49-F238E27FC236}">
                 <a16:creationId xmlns:a16="http://schemas.microsoft.com/office/drawing/2014/main" id="{003EE270-5986-9A3C-0837-1718DA367862}"/>
               </a:ext>
             </a:extLst>
@@ -6717,7 +7105,7 @@
 </p:sld>
 </file>
 
-<file path=ppt/slides/slide7.xml><?xml version="1.0" encoding="utf-8"?>
+<file path=ppt/slides/slide8.xml><?xml version="1.0" encoding="utf-8"?>
 <p:sld xmlns:a="http://schemas.openxmlformats.org/drawingml/2006/main" xmlns:r="http://schemas.openxmlformats.org/officeDocument/2006/relationships" xmlns:p="http://schemas.openxmlformats.org/presentationml/2006/main">
   <p:cSld>
     <p:spTree>
@@ -7568,7 +7956,7 @@
 </p:sld>
 </file>
 
-<file path=ppt/slides/slide8.xml><?xml version="1.0" encoding="utf-8"?>
+<file path=ppt/slides/slide9.xml><?xml version="1.0" encoding="utf-8"?>
 <p:sld xmlns:a="http://schemas.openxmlformats.org/drawingml/2006/main" xmlns:r="http://schemas.openxmlformats.org/officeDocument/2006/relationships" xmlns:p="http://schemas.openxmlformats.org/presentationml/2006/main">
   <p:cSld>
     <p:spTree>
@@ -7717,251 +8105,6 @@
     <p:extLst>
       <p:ext uri="{BB962C8B-B14F-4D97-AF65-F5344CB8AC3E}">
         <p14:creationId xmlns:p14="http://schemas.microsoft.com/office/powerpoint/2010/main" val="1420563105"/>
-      </p:ext>
-    </p:extLst>
-  </p:cSld>
-  <p:clrMapOvr>
-    <a:masterClrMapping/>
-  </p:clrMapOvr>
-</p:sld>
-</file>
-
-<file path=ppt/slides/slide9.xml><?xml version="1.0" encoding="utf-8"?>
-<p:sld xmlns:a="http://schemas.openxmlformats.org/drawingml/2006/main" xmlns:r="http://schemas.openxmlformats.org/officeDocument/2006/relationships" xmlns:p="http://schemas.openxmlformats.org/presentationml/2006/main">
-  <p:cSld>
-    <p:spTree>
-      <p:nvGrpSpPr>
-        <p:cNvPr id="1" name=""/>
-        <p:cNvGrpSpPr/>
-        <p:nvPr/>
-      </p:nvGrpSpPr>
-      <p:grpSpPr>
-        <a:xfrm>
-          <a:off x="0" y="0"/>
-          <a:ext cx="0" cy="0"/>
-          <a:chOff x="0" y="0"/>
-          <a:chExt cx="0" cy="0"/>
-        </a:xfrm>
-      </p:grpSpPr>
-      <p:sp>
-        <p:nvSpPr>
-          <p:cNvPr id="2" name="Title 1">
-            <a:extLst>
-              <a:ext uri="{FF2B5EF4-FFF2-40B4-BE49-F238E27FC236}">
-                <a16:creationId xmlns:a16="http://schemas.microsoft.com/office/drawing/2014/main" id="{88AFE86A-C53B-4FF0-C888-CD72EA72F2DD}"/>
-              </a:ext>
-            </a:extLst>
-          </p:cNvPr>
-          <p:cNvSpPr>
-            <a:spLocks noGrp="1"/>
-          </p:cNvSpPr>
-          <p:nvPr>
-            <p:ph type="title"/>
-          </p:nvPr>
-        </p:nvSpPr>
-        <p:spPr>
-          <a:xfrm>
-            <a:off x="838200" y="365126"/>
-            <a:ext cx="5257800" cy="878048"/>
-          </a:xfrm>
-        </p:spPr>
-        <p:txBody>
-          <a:bodyPr>
-            <a:normAutofit fontScale="90000"/>
-          </a:bodyPr>
-          <a:lstStyle/>
-          <a:p>
-            <a:r>
-              <a:rPr lang="en-US" sz="3100" b="1" i="0" dirty="0">
-                <a:solidFill>
-                  <a:srgbClr val="2C2C36"/>
-                </a:solidFill>
-                <a:effectLst/>
-                <a:latin typeface="system-ui"/>
-              </a:rPr>
-              <a:t>Creating a Workflow File (Demo)</a:t>
-            </a:r>
-            <a:br>
-              <a:rPr lang="en-US" sz="3600" b="1" i="0" dirty="0">
-                <a:solidFill>
-                  <a:srgbClr val="2C2C36"/>
-                </a:solidFill>
-                <a:effectLst/>
-                <a:latin typeface="system-ui"/>
-              </a:rPr>
-            </a:br>
-            <a:endParaRPr lang="en-US" sz="3600" dirty="0"/>
-          </a:p>
-        </p:txBody>
-      </p:sp>
-      <p:sp>
-        <p:nvSpPr>
-          <p:cNvPr id="3" name="Content Placeholder 2">
-            <a:extLst>
-              <a:ext uri="{FF2B5EF4-FFF2-40B4-BE49-F238E27FC236}">
-                <a16:creationId xmlns:a16="http://schemas.microsoft.com/office/drawing/2014/main" id="{6032999E-7E7F-9F63-0B22-AF72579A47A7}"/>
-              </a:ext>
-            </a:extLst>
-          </p:cNvPr>
-          <p:cNvSpPr>
-            <a:spLocks noGrp="1"/>
-          </p:cNvSpPr>
-          <p:nvPr>
-            <p:ph idx="1"/>
-          </p:nvPr>
-        </p:nvSpPr>
-        <p:spPr>
-          <a:xfrm>
-            <a:off x="838200" y="1034515"/>
-            <a:ext cx="5257800" cy="2284038"/>
-          </a:xfrm>
-        </p:spPr>
-        <p:txBody>
-          <a:bodyPr>
-            <a:normAutofit/>
-          </a:bodyPr>
-          <a:lstStyle/>
-          <a:p>
-            <a:r>
-              <a:rPr lang="en-US" sz="2000" b="0" i="0" dirty="0">
-                <a:solidFill>
-                  <a:srgbClr val="2C2C36"/>
-                </a:solidFill>
-                <a:effectLst/>
-                <a:latin typeface="system-ui"/>
-              </a:rPr>
-              <a:t>Workflow files are stored in </a:t>
-            </a:r>
-            <a:r>
-              <a:rPr lang="en-US" sz="2000" b="1" i="0" dirty="0">
-                <a:solidFill>
-                  <a:srgbClr val="EB5757"/>
-                </a:solidFill>
-                <a:effectLst/>
-                <a:latin typeface="ui-monospace"/>
-              </a:rPr>
-              <a:t>.</a:t>
-            </a:r>
-            <a:r>
-              <a:rPr lang="en-US" sz="2000" b="1" i="0" dirty="0" err="1">
-                <a:solidFill>
-                  <a:srgbClr val="EB5757"/>
-                </a:solidFill>
-                <a:effectLst/>
-                <a:latin typeface="ui-monospace"/>
-              </a:rPr>
-              <a:t>github</a:t>
-            </a:r>
-            <a:r>
-              <a:rPr lang="en-US" sz="2000" b="1" i="0" dirty="0">
-                <a:solidFill>
-                  <a:srgbClr val="EB5757"/>
-                </a:solidFill>
-                <a:effectLst/>
-                <a:latin typeface="ui-monospace"/>
-              </a:rPr>
-              <a:t>/workflows/</a:t>
-            </a:r>
-          </a:p>
-          <a:p>
-            <a:r>
-              <a:rPr lang="en-US" sz="2000" b="0" i="0" dirty="0">
-                <a:solidFill>
-                  <a:srgbClr val="2C2C36"/>
-                </a:solidFill>
-                <a:effectLst/>
-                <a:latin typeface="system-ui"/>
-              </a:rPr>
-              <a:t>Written in YAML format</a:t>
-            </a:r>
-            <a:endParaRPr lang="en-US" sz="2000" b="1" dirty="0">
-              <a:solidFill>
-                <a:srgbClr val="EB5757"/>
-              </a:solidFill>
-              <a:latin typeface="ui-monospace"/>
-            </a:endParaRPr>
-          </a:p>
-          <a:p>
-            <a:r>
-              <a:rPr lang="en-US" sz="2000" b="0" i="0" dirty="0">
-                <a:solidFill>
-                  <a:srgbClr val="2C2C36"/>
-                </a:solidFill>
-                <a:effectLst/>
-                <a:latin typeface="system-ui"/>
-              </a:rPr>
-              <a:t>Define triggers, jobs, and steps.</a:t>
-            </a:r>
-          </a:p>
-          <a:p>
-            <a:endParaRPr lang="en-US" sz="2000" dirty="0"/>
-          </a:p>
-        </p:txBody>
-      </p:sp>
-      <p:pic>
-        <p:nvPicPr>
-          <p:cNvPr id="8" name="Picture 7">
-            <a:extLst>
-              <a:ext uri="{FF2B5EF4-FFF2-40B4-BE49-F238E27FC236}">
-                <a16:creationId xmlns:a16="http://schemas.microsoft.com/office/drawing/2014/main" id="{BC3019E1-252D-CDF4-D766-19217408C458}"/>
-              </a:ext>
-            </a:extLst>
-          </p:cNvPr>
-          <p:cNvPicPr>
-            <a:picLocks noChangeAspect="1"/>
-          </p:cNvPicPr>
-          <p:nvPr/>
-        </p:nvPicPr>
-        <p:blipFill>
-          <a:blip r:embed="rId2"/>
-          <a:stretch>
-            <a:fillRect/>
-          </a:stretch>
-        </p:blipFill>
-        <p:spPr>
-          <a:xfrm>
-            <a:off x="6380251" y="244011"/>
-            <a:ext cx="5419011" cy="6369978"/>
-          </a:xfrm>
-          <a:prstGeom prst="rect">
-            <a:avLst/>
-          </a:prstGeom>
-        </p:spPr>
-      </p:pic>
-      <p:pic>
-        <p:nvPicPr>
-          <p:cNvPr id="10" name="Picture 9">
-            <a:extLst>
-              <a:ext uri="{FF2B5EF4-FFF2-40B4-BE49-F238E27FC236}">
-                <a16:creationId xmlns:a16="http://schemas.microsoft.com/office/drawing/2014/main" id="{4FA19940-EF4A-0D67-1B6E-AF0AEC583CC9}"/>
-              </a:ext>
-            </a:extLst>
-          </p:cNvPr>
-          <p:cNvPicPr>
-            <a:picLocks noChangeAspect="1"/>
-          </p:cNvPicPr>
-          <p:nvPr/>
-        </p:nvPicPr>
-        <p:blipFill>
-          <a:blip r:embed="rId3"/>
-          <a:stretch>
-            <a:fillRect/>
-          </a:stretch>
-        </p:blipFill>
-        <p:spPr>
-          <a:xfrm>
-            <a:off x="626723" y="3683286"/>
-            <a:ext cx="5455867" cy="1905856"/>
-          </a:xfrm>
-          <a:prstGeom prst="rect">
-            <a:avLst/>
-          </a:prstGeom>
-        </p:spPr>
-      </p:pic>
-    </p:spTree>
-    <p:extLst>
-      <p:ext uri="{BB962C8B-B14F-4D97-AF65-F5344CB8AC3E}">
-        <p14:creationId xmlns:p14="http://schemas.microsoft.com/office/powerpoint/2010/main" val="3360006066"/>
       </p:ext>
     </p:extLst>
   </p:cSld>
